--- a/burndown y trabajo de equipo/Sprint 2 Finalizado/Presentacion Sprint 2.pptx
+++ b/burndown y trabajo de equipo/Sprint 2 Finalizado/Presentacion Sprint 2.pptx
@@ -116,6 +116,11 @@
       </a:defRPr>
     </a:lvl9pPr>
   </p:defaultTextStyle>
+  <p:extLst>
+    <p:ext uri="{EFAFB233-063F-42B5-8137-9DF3F51BA10A}">
+      <p15:sldGuideLst xmlns:p15="http://schemas.microsoft.com/office/powerpoint/2012/main"/>
+    </p:ext>
+  </p:extLst>
 </p:presentation>
 </file>
 
@@ -5862,7 +5867,23 @@
                   <a:schemeClr val="dk1"/>
                 </a:solidFill>
               </a:rPr>
-              <a:t>Sprint 1: Proyecto Taller de Integración</a:t>
+              <a:t>Sprint </a:t>
+            </a:r>
+            <a:r>
+              <a:rPr lang="es-ES" sz="4400" dirty="0" smtClean="0">
+                <a:solidFill>
+                  <a:schemeClr val="dk1"/>
+                </a:solidFill>
+              </a:rPr>
+              <a:t>2: </a:t>
+            </a:r>
+            <a:r>
+              <a:rPr lang="es-ES" sz="4400" dirty="0">
+                <a:solidFill>
+                  <a:schemeClr val="dk1"/>
+                </a:solidFill>
+              </a:rPr>
+              <a:t>Proyecto Taller de Integración</a:t>
             </a:r>
             <a:endParaRPr lang="en-US" sz="4400" dirty="0"/>
           </a:p>
@@ -6058,6 +6079,13 @@
   <p:clrMapOvr>
     <a:masterClrMapping/>
   </p:clrMapOvr>
+  <p:timing>
+    <p:tnLst>
+      <p:par>
+        <p:cTn id="1" dur="indefinite" restart="never" nodeType="tmRoot"/>
+      </p:par>
+    </p:tnLst>
+  </p:timing>
 </p:sld>
 </file>
 
@@ -6090,8 +6118,8 @@
         </p:nvSpPr>
         <p:spPr>
           <a:xfrm>
-            <a:off x="2689014" y="139337"/>
-            <a:ext cx="8596668" cy="1320800"/>
+            <a:off x="487680" y="252549"/>
+            <a:ext cx="9944562" cy="1320800"/>
           </a:xfrm>
         </p:spPr>
         <p:txBody>
@@ -6100,7 +6128,7 @@
           <a:p>
             <a:r>
               <a:rPr lang="es-ES" dirty="0" smtClean="0"/>
-              <a:t>Semana 1 SPRINT 3.</a:t>
+              <a:t>SPRINT 3, Semana 1 (Próximas actividades)</a:t>
             </a:r>
             <a:endParaRPr lang="en-US" dirty="0"/>
           </a:p>
@@ -7751,7 +7779,15 @@
           <a:p>
             <a:r>
               <a:rPr lang="es-ES" dirty="0" smtClean="0"/>
-              <a:t>Se implementó los menú de combo y puntuación.</a:t>
+              <a:t>Se implementó los </a:t>
+            </a:r>
+            <a:r>
+              <a:rPr lang="es-ES" dirty="0" smtClean="0"/>
+              <a:t>contadores en pantalla / </a:t>
+            </a:r>
+            <a:r>
+              <a:rPr lang="es-ES" dirty="0" smtClean="0"/>
+              <a:t>puntuación.</a:t>
             </a:r>
           </a:p>
           <a:p>
@@ -7763,7 +7799,25 @@
           <a:p>
             <a:r>
               <a:rPr lang="es-ES" dirty="0" smtClean="0"/>
-              <a:t>Se implementó reacción al golpear enemigos.</a:t>
+              <a:t>Se implementó reacción al golpear enemigos</a:t>
+            </a:r>
+            <a:r>
+              <a:rPr lang="es-ES" dirty="0" smtClean="0"/>
+              <a:t>.</a:t>
+            </a:r>
+          </a:p>
+          <a:p>
+            <a:r>
+              <a:rPr lang="es-ES" dirty="0" smtClean="0"/>
+              <a:t>Se implementó las mecánicas para hacerlo </a:t>
+            </a:r>
+            <a:r>
+              <a:rPr lang="es-ES" dirty="0" err="1" smtClean="0"/>
+              <a:t>jugable</a:t>
+            </a:r>
+            <a:r>
+              <a:rPr lang="es-ES" dirty="0"/>
+              <a:t>.</a:t>
             </a:r>
             <a:endParaRPr lang="en-US" dirty="0"/>
           </a:p>
@@ -7849,7 +7903,7 @@
         </p:spPr>
         <p:txBody>
           <a:bodyPr>
-            <a:normAutofit lnSpcReduction="10000"/>
+            <a:normAutofit fontScale="92500" lnSpcReduction="20000"/>
           </a:bodyPr>
           <a:lstStyle/>
           <a:p>
@@ -8156,6 +8210,38 @@
               <a:buFont typeface="Wingdings 3" charset="2"/>
               <a:buChar char="▶"/>
             </a:pPr>
+            <a:r>
+              <a:rPr lang="es-ES" dirty="0" smtClean="0">
+                <a:solidFill>
+                  <a:schemeClr val="tx1"/>
+                </a:solidFill>
+              </a:rPr>
+              <a:t>Ingresar mecánica de puntos y tiempo. </a:t>
+            </a:r>
+            <a:r>
+              <a:rPr lang="es-ES" dirty="0" smtClean="0">
+                <a:solidFill>
+                  <a:schemeClr val="accent2">
+                    <a:lumMod val="75000"/>
+                  </a:schemeClr>
+                </a:solidFill>
+              </a:rPr>
+              <a:t>[REALIZADO]</a:t>
+            </a:r>
+            <a:endParaRPr lang="es-ES" dirty="0" smtClean="0">
+              <a:solidFill>
+                <a:schemeClr val="accent2">
+                  <a:lumMod val="75000"/>
+                </a:schemeClr>
+              </a:solidFill>
+            </a:endParaRPr>
+          </a:p>
+          <a:p>
+            <a:pPr>
+              <a:buSzPts val="1440"/>
+              <a:buFont typeface="Wingdings 3" charset="2"/>
+              <a:buChar char="▶"/>
+            </a:pPr>
             <a:endParaRPr lang="es-ES" dirty="0"/>
           </a:p>
           <a:p>
@@ -8169,7 +8255,31 @@
                   <a:schemeClr val="tx1"/>
                 </a:solidFill>
               </a:rPr>
-              <a:t>Crear un prototipo más desarrollado con funciones sprint 1 y 2. </a:t>
+              <a:t>Crear un prototipo más desarrollado con funciones sprint 1 y </a:t>
+            </a:r>
+            <a:r>
+              <a:rPr lang="es-ES" b="1" dirty="0" smtClean="0">
+                <a:solidFill>
+                  <a:schemeClr val="tx1"/>
+                </a:solidFill>
+              </a:rPr>
+              <a:t>2 (</a:t>
+            </a:r>
+            <a:r>
+              <a:rPr lang="es-ES" b="1" dirty="0" err="1" smtClean="0">
+                <a:solidFill>
+                  <a:schemeClr val="tx1"/>
+                </a:solidFill>
+              </a:rPr>
+              <a:t>Jugable</a:t>
+            </a:r>
+            <a:r>
+              <a:rPr lang="es-ES" b="1" dirty="0" smtClean="0">
+                <a:solidFill>
+                  <a:schemeClr val="tx1"/>
+                </a:solidFill>
+              </a:rPr>
+              <a:t>). </a:t>
             </a:r>
             <a:r>
               <a:rPr lang="es-ES" dirty="0" smtClean="0">
@@ -8210,6 +8320,13 @@
   <p:clrMapOvr>
     <a:masterClrMapping/>
   </p:clrMapOvr>
+  <p:timing>
+    <p:tnLst>
+      <p:par>
+        <p:cTn id="1" dur="indefinite" restart="never" nodeType="tmRoot"/>
+      </p:par>
+    </p:tnLst>
+  </p:timing>
 </p:sld>
 </file>
 
@@ -8440,6 +8557,13 @@
   <p:clrMapOvr>
     <a:masterClrMapping/>
   </p:clrMapOvr>
+  <p:timing>
+    <p:tnLst>
+      <p:par>
+        <p:cTn id="1" dur="indefinite" restart="never" nodeType="tmRoot"/>
+      </p:par>
+    </p:tnLst>
+  </p:timing>
 </p:sld>
 </file>
 
@@ -8503,7 +8627,7 @@
         <p:spPr>
           <a:xfrm>
             <a:off x="5221927" y="4661647"/>
-            <a:ext cx="5661226" cy="2383762"/>
+            <a:ext cx="6099216" cy="2383762"/>
           </a:xfrm>
         </p:spPr>
         <p:txBody>
@@ -8517,12 +8641,12 @@
           </a:p>
           <a:p>
             <a:r>
-              <a:rPr lang="es-ES" dirty="0" err="1" smtClean="0"/>
-              <a:t>Implementacion</a:t>
-            </a:r>
-            <a:r>
               <a:rPr lang="es-ES" dirty="0" smtClean="0"/>
-              <a:t> de colisiones [Realizado]</a:t>
+              <a:t>Implementación </a:t>
+            </a:r>
+            <a:r>
+              <a:rPr lang="es-ES" dirty="0" smtClean="0"/>
+              <a:t>de colisiones [Realizado]</a:t>
             </a:r>
           </a:p>
           <a:p>
@@ -8531,12 +8655,12 @@
               <a:t>Diseño de partículas [Error de </a:t>
             </a:r>
             <a:r>
-              <a:rPr lang="es-ES" dirty="0" err="1" smtClean="0"/>
-              <a:t>caract</a:t>
-            </a:r>
-            <a:r>
               <a:rPr lang="es-ES" dirty="0" smtClean="0"/>
-              <a:t>, rediseño]</a:t>
+              <a:t>definición, </a:t>
+            </a:r>
+            <a:r>
+              <a:rPr lang="es-ES" dirty="0" smtClean="0"/>
+              <a:t>rediseño]</a:t>
             </a:r>
           </a:p>
           <a:p>
@@ -8680,6 +8804,13 @@
   <p:clrMapOvr>
     <a:masterClrMapping/>
   </p:clrMapOvr>
+  <p:timing>
+    <p:tnLst>
+      <p:par>
+        <p:cTn id="1" dur="indefinite" restart="never" nodeType="tmRoot"/>
+      </p:par>
+    </p:tnLst>
+  </p:timing>
 </p:sld>
 </file>
 
@@ -8912,6 +9043,13 @@
   <p:clrMapOvr>
     <a:masterClrMapping/>
   </p:clrMapOvr>
+  <p:timing>
+    <p:tnLst>
+      <p:par>
+        <p:cTn id="1" dur="indefinite" restart="never" nodeType="tmRoot"/>
+      </p:par>
+    </p:tnLst>
+  </p:timing>
 </p:sld>
 </file>
 
@@ -10159,6 +10297,36 @@
           </a:p>
         </p:txBody>
       </p:sp>
+      <p:sp>
+        <p:nvSpPr>
+          <p:cNvPr id="13" name="CuadroTexto 12"/>
+          <p:cNvSpPr txBox="1"/>
+          <p:nvPr/>
+        </p:nvSpPr>
+        <p:spPr>
+          <a:xfrm>
+            <a:off x="5442857" y="5067525"/>
+            <a:ext cx="4876800" cy="1200329"/>
+          </a:xfrm>
+          <a:prstGeom prst="rect">
+            <a:avLst/>
+          </a:prstGeom>
+          <a:noFill/>
+        </p:spPr>
+        <p:txBody>
+          <a:bodyPr wrap="square" rtlCol="0">
+            <a:spAutoFit/>
+          </a:bodyPr>
+          <a:lstStyle/>
+          <a:p>
+            <a:r>
+              <a:rPr lang="es-ES" dirty="0" smtClean="0"/>
+              <a:t>Todos los integrantes cumplieron de manera responsable las actividades propuestas en las reuniones de grupo, dejando constancia de las horas reales trabajadas y las estipuladas.</a:t>
+            </a:r>
+            <a:endParaRPr lang="en-US" dirty="0"/>
+          </a:p>
+        </p:txBody>
+      </p:sp>
     </p:spTree>
     <p:extLst>
       <p:ext uri="{BB962C8B-B14F-4D97-AF65-F5344CB8AC3E}">
@@ -10231,15 +10399,21 @@
         </p:nvSpPr>
         <p:spPr>
           <a:xfrm>
-            <a:off x="9858102" y="4511040"/>
-            <a:ext cx="2803533" cy="1155853"/>
+            <a:off x="5890546" y="5449613"/>
+            <a:ext cx="3976265" cy="1155853"/>
           </a:xfrm>
         </p:spPr>
         <p:txBody>
-          <a:bodyPr/>
+          <a:bodyPr>
+            <a:normAutofit/>
+          </a:bodyPr>
           <a:lstStyle/>
           <a:p>
-            <a:endParaRPr lang="en-US"/>
+            <a:r>
+              <a:rPr lang="es-ES" dirty="0" smtClean="0"/>
+              <a:t>Todos los integrantes del grupo cumplieron las horas requeridas del presente sprint.</a:t>
+            </a:r>
+            <a:endParaRPr lang="en-US" dirty="0"/>
           </a:p>
         </p:txBody>
       </p:sp>
@@ -11741,7 +11915,12 @@
             <p:ph idx="1"/>
           </p:nvPr>
         </p:nvSpPr>
-        <p:spPr/>
+        <p:spPr>
+          <a:xfrm>
+            <a:off x="677334" y="2160589"/>
+            <a:ext cx="6446277" cy="3880773"/>
+          </a:xfrm>
+        </p:spPr>
         <p:txBody>
           <a:bodyPr/>
           <a:lstStyle/>
@@ -11791,13 +11970,57 @@
         <p:spPr>
           <a:xfrm>
             <a:off x="1128931" y="3509553"/>
-            <a:ext cx="8523824" cy="2978387"/>
+            <a:ext cx="4644852" cy="2978387"/>
           </a:xfrm>
           <a:prstGeom prst="rect">
             <a:avLst/>
           </a:prstGeom>
         </p:spPr>
       </p:pic>
+      <p:sp>
+        <p:nvSpPr>
+          <p:cNvPr id="6" name="CuadroTexto 5"/>
+          <p:cNvSpPr txBox="1"/>
+          <p:nvPr/>
+        </p:nvSpPr>
+        <p:spPr>
+          <a:xfrm>
+            <a:off x="7575208" y="4260082"/>
+            <a:ext cx="4180115" cy="1754326"/>
+          </a:xfrm>
+          <a:prstGeom prst="rect">
+            <a:avLst/>
+          </a:prstGeom>
+          <a:noFill/>
+        </p:spPr>
+        <p:txBody>
+          <a:bodyPr wrap="square" rtlCol="0">
+            <a:spAutoFit/>
+          </a:bodyPr>
+          <a:lstStyle/>
+          <a:p>
+            <a:r>
+              <a:rPr lang="es-ES" dirty="0" smtClean="0"/>
+              <a:t>Conclusión del sprint:</a:t>
+            </a:r>
+          </a:p>
+          <a:p>
+            <a:r>
+              <a:rPr lang="es-ES" dirty="0" smtClean="0"/>
+              <a:t> Si bien se trabajaron menos horas “extra” este sprint, el avance fue considerable y la estructura del proyecto esta mucho más definida, incluso </a:t>
+            </a:r>
+            <a:r>
+              <a:rPr lang="es-ES" dirty="0" err="1" smtClean="0"/>
+              <a:t>jugable</a:t>
+            </a:r>
+            <a:r>
+              <a:rPr lang="es-ES" dirty="0" smtClean="0"/>
+              <a:t>.</a:t>
+            </a:r>
+            <a:endParaRPr lang="en-US" dirty="0"/>
+          </a:p>
+        </p:txBody>
+      </p:sp>
     </p:spTree>
     <p:extLst>
       <p:ext uri="{BB962C8B-B14F-4D97-AF65-F5344CB8AC3E}">
@@ -11983,7 +12206,23 @@
                   <a:schemeClr val="tx1"/>
                 </a:solidFill>
               </a:rPr>
-              <a:t>Lograr tener un “prototipo” final de lo que será el juego. </a:t>
+              <a:t>Lograr tener un “prototipo” final </a:t>
+            </a:r>
+            <a:r>
+              <a:rPr lang="es-ES" b="1" dirty="0" smtClean="0">
+                <a:solidFill>
+                  <a:schemeClr val="tx1"/>
+                </a:solidFill>
+              </a:rPr>
+              <a:t>del juego</a:t>
+            </a:r>
+            <a:r>
+              <a:rPr lang="es-ES" b="1" dirty="0" smtClean="0">
+                <a:solidFill>
+                  <a:schemeClr val="tx1"/>
+                </a:solidFill>
+              </a:rPr>
+              <a:t>. </a:t>
             </a:r>
             <a:r>
               <a:rPr lang="es-ES" dirty="0">

--- a/burndown y trabajo de equipo/Sprint 2 Finalizado/Presentacion Sprint 2.pptx
+++ b/burndown y trabajo de equipo/Sprint 2 Finalizado/Presentacion Sprint 2.pptx
@@ -846,7 +846,7 @@
           <a:p>
             <a:fld id="{95526BA5-F793-4783-8CB6-8F1CAC6EF701}" type="datetimeFigureOut">
               <a:rPr lang="en-US" smtClean="0"/>
-              <a:t>11/26/2018</a:t>
+              <a:t>11/27/2018</a:t>
             </a:fld>
             <a:endParaRPr lang="en-US"/>
           </a:p>
@@ -1097,7 +1097,7 @@
           <a:p>
             <a:fld id="{95526BA5-F793-4783-8CB6-8F1CAC6EF701}" type="datetimeFigureOut">
               <a:rPr lang="en-US" smtClean="0"/>
-              <a:t>11/26/2018</a:t>
+              <a:t>11/27/2018</a:t>
             </a:fld>
             <a:endParaRPr lang="en-US"/>
           </a:p>
@@ -1411,7 +1411,7 @@
           <a:p>
             <a:fld id="{95526BA5-F793-4783-8CB6-8F1CAC6EF701}" type="datetimeFigureOut">
               <a:rPr lang="en-US" smtClean="0"/>
-              <a:t>11/26/2018</a:t>
+              <a:t>11/27/2018</a:t>
             </a:fld>
             <a:endParaRPr lang="en-US"/>
           </a:p>
@@ -1752,7 +1752,7 @@
           <a:p>
             <a:fld id="{95526BA5-F793-4783-8CB6-8F1CAC6EF701}" type="datetimeFigureOut">
               <a:rPr lang="en-US" smtClean="0"/>
-              <a:t>11/26/2018</a:t>
+              <a:t>11/27/2018</a:t>
             </a:fld>
             <a:endParaRPr lang="en-US"/>
           </a:p>
@@ -2066,7 +2066,7 @@
           <a:p>
             <a:fld id="{95526BA5-F793-4783-8CB6-8F1CAC6EF701}" type="datetimeFigureOut">
               <a:rPr lang="en-US" smtClean="0"/>
-              <a:t>11/26/2018</a:t>
+              <a:t>11/27/2018</a:t>
             </a:fld>
             <a:endParaRPr lang="en-US"/>
           </a:p>
@@ -2459,7 +2459,7 @@
           <a:p>
             <a:fld id="{95526BA5-F793-4783-8CB6-8F1CAC6EF701}" type="datetimeFigureOut">
               <a:rPr lang="en-US" smtClean="0"/>
-              <a:t>11/26/2018</a:t>
+              <a:t>11/27/2018</a:t>
             </a:fld>
             <a:endParaRPr lang="en-US"/>
           </a:p>
@@ -2629,7 +2629,7 @@
           <a:p>
             <a:fld id="{95526BA5-F793-4783-8CB6-8F1CAC6EF701}" type="datetimeFigureOut">
               <a:rPr lang="en-US" smtClean="0"/>
-              <a:t>11/26/2018</a:t>
+              <a:t>11/27/2018</a:t>
             </a:fld>
             <a:endParaRPr lang="en-US"/>
           </a:p>
@@ -2809,7 +2809,7 @@
           <a:p>
             <a:fld id="{95526BA5-F793-4783-8CB6-8F1CAC6EF701}" type="datetimeFigureOut">
               <a:rPr lang="en-US" smtClean="0"/>
-              <a:t>11/26/2018</a:t>
+              <a:t>11/27/2018</a:t>
             </a:fld>
             <a:endParaRPr lang="en-US"/>
           </a:p>
@@ -2985,7 +2985,7 @@
           <a:p>
             <a:fld id="{95526BA5-F793-4783-8CB6-8F1CAC6EF701}" type="datetimeFigureOut">
               <a:rPr lang="en-US" smtClean="0"/>
-              <a:t>11/26/2018</a:t>
+              <a:t>11/27/2018</a:t>
             </a:fld>
             <a:endParaRPr lang="en-US"/>
           </a:p>
@@ -3232,7 +3232,7 @@
           <a:p>
             <a:fld id="{95526BA5-F793-4783-8CB6-8F1CAC6EF701}" type="datetimeFigureOut">
               <a:rPr lang="en-US" smtClean="0"/>
-              <a:t>11/26/2018</a:t>
+              <a:t>11/27/2018</a:t>
             </a:fld>
             <a:endParaRPr lang="en-US"/>
           </a:p>
@@ -3464,7 +3464,7 @@
           <a:p>
             <a:fld id="{95526BA5-F793-4783-8CB6-8F1CAC6EF701}" type="datetimeFigureOut">
               <a:rPr lang="en-US" smtClean="0"/>
-              <a:t>11/26/2018</a:t>
+              <a:t>11/27/2018</a:t>
             </a:fld>
             <a:endParaRPr lang="en-US"/>
           </a:p>
@@ -3838,7 +3838,7 @@
           <a:p>
             <a:fld id="{95526BA5-F793-4783-8CB6-8F1CAC6EF701}" type="datetimeFigureOut">
               <a:rPr lang="en-US" smtClean="0"/>
-              <a:t>11/26/2018</a:t>
+              <a:t>11/27/2018</a:t>
             </a:fld>
             <a:endParaRPr lang="en-US"/>
           </a:p>
@@ -3961,7 +3961,7 @@
           <a:p>
             <a:fld id="{95526BA5-F793-4783-8CB6-8F1CAC6EF701}" type="datetimeFigureOut">
               <a:rPr lang="en-US" smtClean="0"/>
-              <a:t>11/26/2018</a:t>
+              <a:t>11/27/2018</a:t>
             </a:fld>
             <a:endParaRPr lang="en-US"/>
           </a:p>
@@ -4056,7 +4056,7 @@
           <a:p>
             <a:fld id="{95526BA5-F793-4783-8CB6-8F1CAC6EF701}" type="datetimeFigureOut">
               <a:rPr lang="en-US" smtClean="0"/>
-              <a:t>11/26/2018</a:t>
+              <a:t>11/27/2018</a:t>
             </a:fld>
             <a:endParaRPr lang="en-US"/>
           </a:p>
@@ -4311,7 +4311,7 @@
           <a:p>
             <a:fld id="{95526BA5-F793-4783-8CB6-8F1CAC6EF701}" type="datetimeFigureOut">
               <a:rPr lang="en-US" smtClean="0"/>
-              <a:t>11/26/2018</a:t>
+              <a:t>11/27/2018</a:t>
             </a:fld>
             <a:endParaRPr lang="en-US"/>
           </a:p>
@@ -4574,7 +4574,7 @@
           <a:p>
             <a:fld id="{95526BA5-F793-4783-8CB6-8F1CAC6EF701}" type="datetimeFigureOut">
               <a:rPr lang="en-US" smtClean="0"/>
-              <a:t>11/26/2018</a:t>
+              <a:t>11/27/2018</a:t>
             </a:fld>
             <a:endParaRPr lang="en-US"/>
           </a:p>
@@ -5317,7 +5317,7 @@
           <a:p>
             <a:fld id="{95526BA5-F793-4783-8CB6-8F1CAC6EF701}" type="datetimeFigureOut">
               <a:rPr lang="en-US" smtClean="0"/>
-              <a:t>11/26/2018</a:t>
+              <a:t>11/27/2018</a:t>
             </a:fld>
             <a:endParaRPr lang="en-US"/>
           </a:p>
@@ -7779,15 +7779,7 @@
           <a:p>
             <a:r>
               <a:rPr lang="es-ES" dirty="0" smtClean="0"/>
-              <a:t>Se implementó los </a:t>
-            </a:r>
-            <a:r>
-              <a:rPr lang="es-ES" dirty="0" smtClean="0"/>
-              <a:t>contadores en pantalla / </a:t>
-            </a:r>
-            <a:r>
-              <a:rPr lang="es-ES" dirty="0" smtClean="0"/>
-              <a:t>puntuación.</a:t>
+              <a:t>Se implementó los contadores en pantalla / puntuación.</a:t>
             </a:r>
           </a:p>
           <a:p>
@@ -7799,11 +7791,7 @@
           <a:p>
             <a:r>
               <a:rPr lang="es-ES" dirty="0" smtClean="0"/>
-              <a:t>Se implementó reacción al golpear enemigos</a:t>
-            </a:r>
-            <a:r>
-              <a:rPr lang="es-ES" dirty="0" smtClean="0"/>
-              <a:t>.</a:t>
+              <a:t>Se implementó reacción al golpear enemigos.</a:t>
             </a:r>
           </a:p>
           <a:p>
@@ -8228,13 +8216,6 @@
               </a:rPr>
               <a:t>[REALIZADO]</a:t>
             </a:r>
-            <a:endParaRPr lang="es-ES" dirty="0" smtClean="0">
-              <a:solidFill>
-                <a:schemeClr val="accent2">
-                  <a:lumMod val="75000"/>
-                </a:schemeClr>
-              </a:solidFill>
-            </a:endParaRPr>
           </a:p>
           <a:p>
             <a:pPr>
@@ -8501,7 +8482,7 @@
       </p:pic>
       <p:pic>
         <p:nvPicPr>
-          <p:cNvPr id="7" name="Imagen 6"/>
+          <p:cNvPr id="8" name="Imagen 7"/>
           <p:cNvPicPr>
             <a:picLocks noChangeAspect="1"/>
           </p:cNvPicPr>
@@ -8515,8 +8496,8 @@
         </p:blipFill>
         <p:spPr>
           <a:xfrm>
-            <a:off x="4861672" y="2746561"/>
-            <a:ext cx="4533339" cy="1789580"/>
+            <a:off x="417140" y="4602951"/>
+            <a:ext cx="4079502" cy="2133600"/>
           </a:xfrm>
           <a:prstGeom prst="rect">
             <a:avLst/>
@@ -8525,7 +8506,7 @@
       </p:pic>
       <p:pic>
         <p:nvPicPr>
-          <p:cNvPr id="8" name="Imagen 7"/>
+          <p:cNvPr id="9" name="Imagen 8"/>
           <p:cNvPicPr>
             <a:picLocks noChangeAspect="1"/>
           </p:cNvPicPr>
@@ -8539,8 +8520,8 @@
         </p:blipFill>
         <p:spPr>
           <a:xfrm>
-            <a:off x="417140" y="4602951"/>
-            <a:ext cx="4079502" cy="2133600"/>
+            <a:off x="4942634" y="2746561"/>
+            <a:ext cx="4452377" cy="1783544"/>
           </a:xfrm>
           <a:prstGeom prst="rect">
             <a:avLst/>
@@ -8642,25 +8623,13 @@
           <a:p>
             <a:r>
               <a:rPr lang="es-ES" dirty="0" smtClean="0"/>
-              <a:t>Implementación </a:t>
-            </a:r>
+              <a:t>Implementación de colisiones [Realizado]</a:t>
+            </a:r>
+          </a:p>
+          <a:p>
             <a:r>
               <a:rPr lang="es-ES" dirty="0" smtClean="0"/>
-              <a:t>de colisiones [Realizado]</a:t>
-            </a:r>
-          </a:p>
-          <a:p>
-            <a:r>
-              <a:rPr lang="es-ES" dirty="0" smtClean="0"/>
-              <a:t>Diseño de partículas [Error de </a:t>
-            </a:r>
-            <a:r>
-              <a:rPr lang="es-ES" dirty="0" smtClean="0"/>
-              <a:t>definición, </a:t>
-            </a:r>
-            <a:r>
-              <a:rPr lang="es-ES" dirty="0" smtClean="0"/>
-              <a:t>rediseño]</a:t>
+              <a:t>Diseño de partículas [Error de definición, rediseño]</a:t>
             </a:r>
           </a:p>
           <a:p>
@@ -8954,7 +8923,7 @@
         <p:spPr>
           <a:xfrm>
             <a:off x="467004" y="2669164"/>
-            <a:ext cx="4055689" cy="1550894"/>
+            <a:ext cx="4176714" cy="1550894"/>
           </a:xfrm>
           <a:prstGeom prst="rect">
             <a:avLst/>
@@ -9011,7 +8980,7 @@
       </p:pic>
       <p:pic>
         <p:nvPicPr>
-          <p:cNvPr id="9" name="Imagen 8"/>
+          <p:cNvPr id="10" name="Imagen 9"/>
           <p:cNvPicPr>
             <a:picLocks noChangeAspect="1"/>
           </p:cNvPicPr>
@@ -9025,8 +8994,8 @@
         </p:blipFill>
         <p:spPr>
           <a:xfrm>
-            <a:off x="397081" y="656037"/>
-            <a:ext cx="4246638" cy="1838097"/>
+            <a:off x="458040" y="780358"/>
+            <a:ext cx="4269658" cy="1709022"/>
           </a:xfrm>
           <a:prstGeom prst="rect">
             <a:avLst/>
@@ -9130,30 +9099,6 @@
           </a:p>
         </p:txBody>
       </p:sp>
-      <p:pic>
-        <p:nvPicPr>
-          <p:cNvPr id="4" name="Imagen 3"/>
-          <p:cNvPicPr>
-            <a:picLocks noChangeAspect="1"/>
-          </p:cNvPicPr>
-          <p:nvPr/>
-        </p:nvPicPr>
-        <p:blipFill>
-          <a:blip r:embed="rId2"/>
-          <a:stretch>
-            <a:fillRect/>
-          </a:stretch>
-        </p:blipFill>
-        <p:spPr>
-          <a:xfrm>
-            <a:off x="292280" y="1506584"/>
-            <a:ext cx="3792039" cy="990600"/>
-          </a:xfrm>
-          <a:prstGeom prst="rect">
-            <a:avLst/>
-          </a:prstGeom>
-        </p:spPr>
-      </p:pic>
       <p:sp>
         <p:nvSpPr>
           <p:cNvPr id="5" name="Marcador de contenido 2"/>
@@ -9420,7 +9365,7 @@
           <p:nvPr/>
         </p:nvPicPr>
         <p:blipFill>
-          <a:blip r:embed="rId3"/>
+          <a:blip r:embed="rId2"/>
           <a:stretch>
             <a:fillRect/>
           </a:stretch>
@@ -9705,7 +9650,7 @@
           <p:nvPr/>
         </p:nvPicPr>
         <p:blipFill>
-          <a:blip r:embed="rId4"/>
+          <a:blip r:embed="rId3"/>
           <a:stretch>
             <a:fillRect/>
           </a:stretch>
@@ -9713,7 +9658,7 @@
         <p:spPr>
           <a:xfrm>
             <a:off x="292279" y="3226527"/>
-            <a:ext cx="3792039" cy="1092924"/>
+            <a:ext cx="3974921" cy="1092924"/>
           </a:xfrm>
           <a:prstGeom prst="rect">
             <a:avLst/>
@@ -9729,7 +9674,7 @@
           <p:nvPr/>
         </p:nvPicPr>
         <p:blipFill>
-          <a:blip r:embed="rId5"/>
+          <a:blip r:embed="rId4"/>
           <a:stretch>
             <a:fillRect/>
           </a:stretch>
@@ -10021,7 +9966,7 @@
           <p:nvPr/>
         </p:nvPicPr>
         <p:blipFill>
-          <a:blip r:embed="rId6"/>
+          <a:blip r:embed="rId5"/>
           <a:stretch>
             <a:fillRect/>
           </a:stretch>
@@ -10327,6 +10272,30 @@
           </a:p>
         </p:txBody>
       </p:sp>
+      <p:pic>
+        <p:nvPicPr>
+          <p:cNvPr id="14" name="Imagen 13"/>
+          <p:cNvPicPr>
+            <a:picLocks noChangeAspect="1"/>
+          </p:cNvPicPr>
+          <p:nvPr/>
+        </p:nvPicPr>
+        <p:blipFill>
+          <a:blip r:embed="rId6"/>
+          <a:stretch>
+            <a:fillRect/>
+          </a:stretch>
+        </p:blipFill>
+        <p:spPr>
+          <a:xfrm>
+            <a:off x="292279" y="1418457"/>
+            <a:ext cx="3974921" cy="1009650"/>
+          </a:xfrm>
+          <a:prstGeom prst="rect">
+            <a:avLst/>
+          </a:prstGeom>
+        </p:spPr>
+      </p:pic>
     </p:spTree>
     <p:extLst>
       <p:ext uri="{BB962C8B-B14F-4D97-AF65-F5344CB8AC3E}">
@@ -11931,7 +11900,7 @@
       </p:sp>
       <p:pic>
         <p:nvPicPr>
-          <p:cNvPr id="4" name="Imagen 3"/>
+          <p:cNvPr id="5" name="Imagen 4"/>
           <p:cNvPicPr>
             <a:picLocks noChangeAspect="1"/>
           </p:cNvPicPr>
@@ -11939,30 +11908,6 @@
         </p:nvPicPr>
         <p:blipFill>
           <a:blip r:embed="rId2"/>
-          <a:stretch>
-            <a:fillRect/>
-          </a:stretch>
-        </p:blipFill>
-        <p:spPr>
-          <a:xfrm>
-            <a:off x="760599" y="989014"/>
-            <a:ext cx="9270908" cy="2343150"/>
-          </a:xfrm>
-          <a:prstGeom prst="rect">
-            <a:avLst/>
-          </a:prstGeom>
-        </p:spPr>
-      </p:pic>
-      <p:pic>
-        <p:nvPicPr>
-          <p:cNvPr id="5" name="Imagen 4"/>
-          <p:cNvPicPr>
-            <a:picLocks noChangeAspect="1"/>
-          </p:cNvPicPr>
-          <p:nvPr/>
-        </p:nvPicPr>
-        <p:blipFill>
-          <a:blip r:embed="rId3"/>
           <a:stretch>
             <a:fillRect/>
           </a:stretch>
@@ -11985,7 +11930,7 @@
         </p:nvSpPr>
         <p:spPr>
           <a:xfrm>
-            <a:off x="7575208" y="4260082"/>
+            <a:off x="7453288" y="3920447"/>
             <a:ext cx="4180115" cy="1754326"/>
           </a:xfrm>
           <a:prstGeom prst="rect">
@@ -12021,6 +11966,30 @@
           </a:p>
         </p:txBody>
       </p:sp>
+      <p:pic>
+        <p:nvPicPr>
+          <p:cNvPr id="7" name="Imagen 6"/>
+          <p:cNvPicPr>
+            <a:picLocks noChangeAspect="1"/>
+          </p:cNvPicPr>
+          <p:nvPr/>
+        </p:nvPicPr>
+        <p:blipFill>
+          <a:blip r:embed="rId3"/>
+          <a:stretch>
+            <a:fillRect/>
+          </a:stretch>
+        </p:blipFill>
+        <p:spPr>
+          <a:xfrm>
+            <a:off x="463636" y="900800"/>
+            <a:ext cx="10323979" cy="2162175"/>
+          </a:xfrm>
+          <a:prstGeom prst="rect">
+            <a:avLst/>
+          </a:prstGeom>
+        </p:spPr>
+      </p:pic>
     </p:spTree>
     <p:extLst>
       <p:ext uri="{BB962C8B-B14F-4D97-AF65-F5344CB8AC3E}">
@@ -12206,23 +12175,7 @@
                   <a:schemeClr val="tx1"/>
                 </a:solidFill>
               </a:rPr>
-              <a:t>Lograr tener un “prototipo” final </a:t>
-            </a:r>
-            <a:r>
-              <a:rPr lang="es-ES" b="1" dirty="0" smtClean="0">
-                <a:solidFill>
-                  <a:schemeClr val="tx1"/>
-                </a:solidFill>
-              </a:rPr>
-              <a:t>del juego</a:t>
-            </a:r>
-            <a:r>
-              <a:rPr lang="es-ES" b="1" dirty="0" smtClean="0">
-                <a:solidFill>
-                  <a:schemeClr val="tx1"/>
-                </a:solidFill>
-              </a:rPr>
-              <a:t>. </a:t>
+              <a:t>Lograr tener un “prototipo” final del juego. </a:t>
             </a:r>
             <a:r>
               <a:rPr lang="es-ES" dirty="0">

--- a/burndown y trabajo de equipo/Sprint 2 Finalizado/Presentacion Sprint 2.pptx
+++ b/burndown y trabajo de equipo/Sprint 2 Finalizado/Presentacion Sprint 2.pptx
@@ -17,7 +17,8 @@
     <p:sldId id="265" r:id="rId11"/>
     <p:sldId id="266" r:id="rId12"/>
     <p:sldId id="267" r:id="rId13"/>
-    <p:sldId id="268" r:id="rId14"/>
+    <p:sldId id="269" r:id="rId14"/>
+    <p:sldId id="268" r:id="rId15"/>
   </p:sldIdLst>
   <p:sldSz cx="12192000" cy="6858000"/>
   <p:notesSz cx="6858000" cy="9144000"/>
@@ -7701,6 +7702,13 @@
   <p:clrMapOvr>
     <a:masterClrMapping/>
   </p:clrMapOvr>
+  <p:timing>
+    <p:tnLst>
+      <p:par>
+        <p:cTn id="1" dur="indefinite" restart="never" nodeType="tmRoot"/>
+      </p:par>
+    </p:tnLst>
+  </p:timing>
 </p:sld>
 </file>
 
@@ -7731,6 +7739,181 @@
             <p:ph type="title"/>
           </p:nvPr>
         </p:nvSpPr>
+        <p:spPr>
+          <a:xfrm>
+            <a:off x="3167986" y="139337"/>
+            <a:ext cx="8596668" cy="1320800"/>
+          </a:xfrm>
+        </p:spPr>
+        <p:txBody>
+          <a:bodyPr/>
+          <a:lstStyle/>
+          <a:p>
+            <a:r>
+              <a:rPr lang="es-ES" dirty="0" smtClean="0"/>
+              <a:t>Animación de </a:t>
+            </a:r>
+            <a:r>
+              <a:rPr lang="es-ES" dirty="0" err="1" smtClean="0"/>
+              <a:t>Slimes</a:t>
+            </a:r>
+            <a:endParaRPr lang="en-US" dirty="0"/>
+          </a:p>
+        </p:txBody>
+      </p:sp>
+      <p:sp>
+        <p:nvSpPr>
+          <p:cNvPr id="3" name="Marcador de contenido 2"/>
+          <p:cNvSpPr>
+            <a:spLocks noGrp="1"/>
+          </p:cNvSpPr>
+          <p:nvPr>
+            <p:ph idx="1"/>
+          </p:nvPr>
+        </p:nvSpPr>
+        <p:spPr/>
+        <p:txBody>
+          <a:bodyPr/>
+          <a:lstStyle/>
+          <a:p>
+            <a:endParaRPr lang="en-US"/>
+          </a:p>
+        </p:txBody>
+      </p:sp>
+      <p:sp>
+        <p:nvSpPr>
+          <p:cNvPr id="4" name="AutoShape 2" descr="blob:https://web.whatsapp.com/add7c065-4d7d-4a52-8fef-d4dbe5ef7835"/>
+          <p:cNvSpPr>
+            <a:spLocks noChangeAspect="1" noChangeArrowheads="1"/>
+          </p:cNvSpPr>
+          <p:nvPr/>
+        </p:nvSpPr>
+        <p:spPr bwMode="auto">
+          <a:xfrm flipH="1">
+            <a:off x="460375" y="-144463"/>
+            <a:ext cx="3601754" cy="3601766"/>
+          </a:xfrm>
+          <a:prstGeom prst="rect">
+            <a:avLst/>
+          </a:prstGeom>
+          <a:noFill/>
+          <a:extLst>
+            <a:ext uri="{909E8E84-426E-40DD-AFC4-6F175D3DCCD1}">
+              <a14:hiddenFill xmlns:a14="http://schemas.microsoft.com/office/drawing/2010/main">
+                <a:solidFill>
+                  <a:srgbClr val="FFFFFF"/>
+                </a:solidFill>
+              </a14:hiddenFill>
+            </a:ext>
+          </a:extLst>
+        </p:spPr>
+        <p:txBody>
+          <a:bodyPr vert="horz" wrap="square" lIns="91440" tIns="45720" rIns="91440" bIns="45720" numCol="1" anchor="t" anchorCtr="0" compatLnSpc="1">
+            <a:prstTxWarp prst="textNoShape">
+              <a:avLst/>
+            </a:prstTxWarp>
+          </a:bodyPr>
+          <a:lstStyle/>
+          <a:p>
+            <a:endParaRPr lang="en-US"/>
+          </a:p>
+        </p:txBody>
+      </p:sp>
+      <p:pic>
+        <p:nvPicPr>
+          <p:cNvPr id="7" name="Imagen 6"/>
+          <p:cNvPicPr>
+            <a:picLocks noChangeAspect="1"/>
+          </p:cNvPicPr>
+          <p:nvPr/>
+        </p:nvPicPr>
+        <p:blipFill>
+          <a:blip r:embed="rId2"/>
+          <a:stretch>
+            <a:fillRect/>
+          </a:stretch>
+        </p:blipFill>
+        <p:spPr>
+          <a:xfrm>
+            <a:off x="460375" y="1460137"/>
+            <a:ext cx="4923336" cy="5030365"/>
+          </a:xfrm>
+          <a:prstGeom prst="rect">
+            <a:avLst/>
+          </a:prstGeom>
+        </p:spPr>
+      </p:pic>
+      <p:pic>
+        <p:nvPicPr>
+          <p:cNvPr id="8" name="Imagen 7"/>
+          <p:cNvPicPr>
+            <a:picLocks noChangeAspect="1"/>
+          </p:cNvPicPr>
+          <p:nvPr/>
+        </p:nvPicPr>
+        <p:blipFill>
+          <a:blip r:embed="rId3"/>
+          <a:stretch>
+            <a:fillRect/>
+          </a:stretch>
+        </p:blipFill>
+        <p:spPr>
+          <a:xfrm>
+            <a:off x="6100161" y="1460137"/>
+            <a:ext cx="4948042" cy="5030365"/>
+          </a:xfrm>
+          <a:prstGeom prst="rect">
+            <a:avLst/>
+          </a:prstGeom>
+        </p:spPr>
+      </p:pic>
+    </p:spTree>
+    <p:extLst>
+      <p:ext uri="{BB962C8B-B14F-4D97-AF65-F5344CB8AC3E}">
+        <p14:creationId xmlns:p14="http://schemas.microsoft.com/office/powerpoint/2010/main" val="646668496"/>
+      </p:ext>
+    </p:extLst>
+  </p:cSld>
+  <p:clrMapOvr>
+    <a:masterClrMapping/>
+  </p:clrMapOvr>
+  <p:timing>
+    <p:tnLst>
+      <p:par>
+        <p:cTn id="1" dur="indefinite" restart="never" nodeType="tmRoot"/>
+      </p:par>
+    </p:tnLst>
+  </p:timing>
+</p:sld>
+</file>
+
+<file path=ppt/slides/slide14.xml><?xml version="1.0" encoding="utf-8"?>
+<p:sld xmlns:a="http://schemas.openxmlformats.org/drawingml/2006/main" xmlns:r="http://schemas.openxmlformats.org/officeDocument/2006/relationships" xmlns:p="http://schemas.openxmlformats.org/presentationml/2006/main">
+  <p:cSld>
+    <p:spTree>
+      <p:nvGrpSpPr>
+        <p:cNvPr id="1" name=""/>
+        <p:cNvGrpSpPr/>
+        <p:nvPr/>
+      </p:nvGrpSpPr>
+      <p:grpSpPr>
+        <a:xfrm>
+          <a:off x="0" y="0"/>
+          <a:ext cx="0" cy="0"/>
+          <a:chOff x="0" y="0"/>
+          <a:chExt cx="0" cy="0"/>
+        </a:xfrm>
+      </p:grpSpPr>
+      <p:sp>
+        <p:nvSpPr>
+          <p:cNvPr id="2" name="Título 1"/>
+          <p:cNvSpPr>
+            <a:spLocks noGrp="1"/>
+          </p:cNvSpPr>
+          <p:nvPr>
+            <p:ph type="title"/>
+          </p:nvPr>
+        </p:nvSpPr>
         <p:spPr/>
         <p:txBody>
           <a:bodyPr/>
@@ -7821,6 +8004,13 @@
   <p:clrMapOvr>
     <a:masterClrMapping/>
   </p:clrMapOvr>
+  <p:timing>
+    <p:tnLst>
+      <p:par>
+        <p:cTn id="1" dur="indefinite" restart="never" nodeType="tmRoot"/>
+      </p:par>
+    </p:tnLst>
+  </p:timing>
 </p:sld>
 </file>
 
